--- a/inner pages/assets/files_to_download/Лекция 10.Перечень и комплектность документов на информационные системы согласно ЕСПД и ЕСКД. Задачи документирования.pptx
+++ b/inner pages/assets/files_to_download/Лекция 10.Перечень и комплектность документов на информационные системы согласно ЕСПД и ЕСКД. Задачи документирования.pptx
@@ -209,7 +209,7 @@
           <a:p>
             <a:fld id="{8196A6BA-F9DE-42E1-AFC3-4D275F9C9B4A}" type="datetimeFigureOut">
               <a:rPr lang="ru-RU" smtClean="0"/>
-              <a:t>03.04.2023</a:t>
+              <a:t>03.05.2023</a:t>
             </a:fld>
             <a:endParaRPr lang="ru-RU"/>
           </a:p>
@@ -1715,7 +1715,7 @@
           <a:p>
             <a:fld id="{E4E02E1F-4EA3-4963-8484-B1981A67C24B}" type="datetimeFigureOut">
               <a:rPr lang="ru-RU" smtClean="0"/>
-              <a:t>03.04.2023</a:t>
+              <a:t>03.05.2023</a:t>
             </a:fld>
             <a:endParaRPr lang="ru-RU"/>
           </a:p>
@@ -1913,7 +1913,7 @@
           <a:p>
             <a:fld id="{E4E02E1F-4EA3-4963-8484-B1981A67C24B}" type="datetimeFigureOut">
               <a:rPr lang="ru-RU" smtClean="0"/>
-              <a:t>03.04.2023</a:t>
+              <a:t>03.05.2023</a:t>
             </a:fld>
             <a:endParaRPr lang="ru-RU"/>
           </a:p>
@@ -2121,7 +2121,7 @@
           <a:p>
             <a:fld id="{E4E02E1F-4EA3-4963-8484-B1981A67C24B}" type="datetimeFigureOut">
               <a:rPr lang="ru-RU" smtClean="0"/>
-              <a:t>03.04.2023</a:t>
+              <a:t>03.05.2023</a:t>
             </a:fld>
             <a:endParaRPr lang="ru-RU"/>
           </a:p>
@@ -2319,7 +2319,7 @@
           <a:p>
             <a:fld id="{E4E02E1F-4EA3-4963-8484-B1981A67C24B}" type="datetimeFigureOut">
               <a:rPr lang="ru-RU" smtClean="0"/>
-              <a:t>03.04.2023</a:t>
+              <a:t>03.05.2023</a:t>
             </a:fld>
             <a:endParaRPr lang="ru-RU"/>
           </a:p>
@@ -2594,7 +2594,7 @@
           <a:p>
             <a:fld id="{E4E02E1F-4EA3-4963-8484-B1981A67C24B}" type="datetimeFigureOut">
               <a:rPr lang="ru-RU" smtClean="0"/>
-              <a:t>03.04.2023</a:t>
+              <a:t>03.05.2023</a:t>
             </a:fld>
             <a:endParaRPr lang="ru-RU"/>
           </a:p>
@@ -2859,7 +2859,7 @@
           <a:p>
             <a:fld id="{E4E02E1F-4EA3-4963-8484-B1981A67C24B}" type="datetimeFigureOut">
               <a:rPr lang="ru-RU" smtClean="0"/>
-              <a:t>03.04.2023</a:t>
+              <a:t>03.05.2023</a:t>
             </a:fld>
             <a:endParaRPr lang="ru-RU"/>
           </a:p>
@@ -3271,7 +3271,7 @@
           <a:p>
             <a:fld id="{E4E02E1F-4EA3-4963-8484-B1981A67C24B}" type="datetimeFigureOut">
               <a:rPr lang="ru-RU" smtClean="0"/>
-              <a:t>03.04.2023</a:t>
+              <a:t>03.05.2023</a:t>
             </a:fld>
             <a:endParaRPr lang="ru-RU"/>
           </a:p>
@@ -3412,7 +3412,7 @@
           <a:p>
             <a:fld id="{E4E02E1F-4EA3-4963-8484-B1981A67C24B}" type="datetimeFigureOut">
               <a:rPr lang="ru-RU" smtClean="0"/>
-              <a:t>03.04.2023</a:t>
+              <a:t>03.05.2023</a:t>
             </a:fld>
             <a:endParaRPr lang="ru-RU"/>
           </a:p>
@@ -3525,7 +3525,7 @@
           <a:p>
             <a:fld id="{E4E02E1F-4EA3-4963-8484-B1981A67C24B}" type="datetimeFigureOut">
               <a:rPr lang="ru-RU" smtClean="0"/>
-              <a:t>03.04.2023</a:t>
+              <a:t>03.05.2023</a:t>
             </a:fld>
             <a:endParaRPr lang="ru-RU"/>
           </a:p>
@@ -3836,7 +3836,7 @@
           <a:p>
             <a:fld id="{E4E02E1F-4EA3-4963-8484-B1981A67C24B}" type="datetimeFigureOut">
               <a:rPr lang="ru-RU" smtClean="0"/>
-              <a:t>03.04.2023</a:t>
+              <a:t>03.05.2023</a:t>
             </a:fld>
             <a:endParaRPr lang="ru-RU"/>
           </a:p>
@@ -4124,7 +4124,7 @@
           <a:p>
             <a:fld id="{E4E02E1F-4EA3-4963-8484-B1981A67C24B}" type="datetimeFigureOut">
               <a:rPr lang="ru-RU" smtClean="0"/>
-              <a:t>03.04.2023</a:t>
+              <a:t>03.05.2023</a:t>
             </a:fld>
             <a:endParaRPr lang="ru-RU"/>
           </a:p>
@@ -4365,7 +4365,7 @@
           <a:p>
             <a:fld id="{E4E02E1F-4EA3-4963-8484-B1981A67C24B}" type="datetimeFigureOut">
               <a:rPr lang="ru-RU" smtClean="0"/>
-              <a:t>03.04.2023</a:t>
+              <a:t>03.05.2023</a:t>
             </a:fld>
             <a:endParaRPr lang="ru-RU"/>
           </a:p>
@@ -4784,44 +4784,6 @@
       </p:grpSpPr>
       <p:sp>
         <p:nvSpPr>
-          <p:cNvPr id="2" name="Заголовок 1">
-            <a:extLst>
-              <a:ext uri="{FF2B5EF4-FFF2-40B4-BE49-F238E27FC236}">
-                <a16:creationId xmlns:a16="http://schemas.microsoft.com/office/drawing/2014/main" id="{573C43D6-3C74-4C0C-8A5E-29D075850626}"/>
-              </a:ext>
-            </a:extLst>
-          </p:cNvPr>
-          <p:cNvSpPr>
-            <a:spLocks noGrp="1"/>
-          </p:cNvSpPr>
-          <p:nvPr>
-            <p:ph type="ctrTitle"/>
-          </p:nvPr>
-        </p:nvSpPr>
-        <p:spPr>
-          <a:xfrm>
-            <a:off x="1307976" y="459299"/>
-            <a:ext cx="9576047" cy="2672259"/>
-          </a:xfrm>
-        </p:spPr>
-        <p:txBody>
-          <a:bodyPr>
-            <a:normAutofit/>
-          </a:bodyPr>
-          <a:lstStyle/>
-          <a:p>
-            <a:r>
-              <a:rPr lang="ru-RU" sz="6000" dirty="0">
-                <a:latin typeface="Times New Roman" panose="02020603050405020304" pitchFamily="18" charset="0"/>
-                <a:cs typeface="Times New Roman" panose="02020603050405020304" pitchFamily="18" charset="0"/>
-              </a:rPr>
-              <a:t>Разработка документации информационных систем</a:t>
-            </a:r>
-          </a:p>
-        </p:txBody>
-      </p:sp>
-      <p:sp>
-        <p:nvSpPr>
           <p:cNvPr id="3" name="Подзаголовок 2">
             <a:extLst>
               <a:ext uri="{FF2B5EF4-FFF2-40B4-BE49-F238E27FC236}">
@@ -4838,13 +4800,13 @@
         </p:nvSpPr>
         <p:spPr>
           <a:xfrm>
-            <a:off x="973584" y="4505131"/>
-            <a:ext cx="10244831" cy="1126283"/>
+            <a:off x="973584" y="2596575"/>
+            <a:ext cx="10244831" cy="1664849"/>
           </a:xfrm>
         </p:spPr>
         <p:txBody>
           <a:bodyPr>
-            <a:normAutofit lnSpcReduction="10000"/>
+            <a:noAutofit/>
           </a:bodyPr>
           <a:lstStyle/>
           <a:p>
@@ -4854,7 +4816,7 @@
               </a:spcBef>
             </a:pPr>
             <a:r>
-              <a:rPr lang="ru-RU" sz="2800" dirty="0">
+              <a:rPr lang="ru-RU" sz="3600" dirty="0">
                 <a:solidFill>
                   <a:schemeClr val="tx1"/>
                 </a:solidFill>
@@ -4863,7 +4825,7 @@
               </a:rPr>
               <a:t>Перечень и комплектность документов на ИС согласно ЕСПД и ЕСКД. </a:t>
             </a:r>
-            <a:endParaRPr lang="en-US" sz="2800" dirty="0">
+            <a:endParaRPr lang="en-US" sz="3600" dirty="0">
               <a:solidFill>
                 <a:schemeClr val="tx1"/>
               </a:solidFill>
@@ -4878,7 +4840,7 @@
               </a:spcBef>
             </a:pPr>
             <a:r>
-              <a:rPr lang="ru-RU" sz="2800" dirty="0">
+              <a:rPr lang="ru-RU" sz="3600" dirty="0">
                 <a:solidFill>
                   <a:schemeClr val="tx1"/>
                 </a:solidFill>
@@ -4890,45 +4852,6 @@
           </a:p>
         </p:txBody>
       </p:sp>
-      <p:cxnSp>
-        <p:nvCxnSpPr>
-          <p:cNvPr id="5" name="Прямая соединительная линия 4">
-            <a:extLst>
-              <a:ext uri="{FF2B5EF4-FFF2-40B4-BE49-F238E27FC236}">
-                <a16:creationId xmlns:a16="http://schemas.microsoft.com/office/drawing/2014/main" id="{620EA0AA-1DD9-4DB3-A819-D83C43061E0E}"/>
-              </a:ext>
-            </a:extLst>
-          </p:cNvPr>
-          <p:cNvCxnSpPr>
-            <a:cxnSpLocks/>
-          </p:cNvCxnSpPr>
-          <p:nvPr/>
-        </p:nvCxnSpPr>
-        <p:spPr>
-          <a:xfrm>
-            <a:off x="2068496" y="3726366"/>
-            <a:ext cx="8712000" cy="0"/>
-          </a:xfrm>
-          <a:prstGeom prst="line">
-            <a:avLst/>
-          </a:prstGeom>
-          <a:ln w="38100"/>
-        </p:spPr>
-        <p:style>
-          <a:lnRef idx="1">
-            <a:schemeClr val="dk1"/>
-          </a:lnRef>
-          <a:fillRef idx="0">
-            <a:schemeClr val="dk1"/>
-          </a:fillRef>
-          <a:effectRef idx="0">
-            <a:schemeClr val="dk1"/>
-          </a:effectRef>
-          <a:fontRef idx="minor">
-            <a:schemeClr val="tx1"/>
-          </a:fontRef>
-        </p:style>
-      </p:cxnSp>
     </p:spTree>
     <p:extLst>
       <p:ext uri="{BB962C8B-B14F-4D97-AF65-F5344CB8AC3E}">
@@ -5156,6 +5079,9 @@
   <p:clrMapOvr>
     <a:masterClrMapping/>
   </p:clrMapOvr>
+  <p:transition spd="slow">
+    <p:push dir="u"/>
+  </p:transition>
 </p:sld>
 </file>
 
@@ -5364,6 +5290,9 @@
   <p:clrMapOvr>
     <a:masterClrMapping/>
   </p:clrMapOvr>
+  <p:transition spd="slow">
+    <p:push dir="d"/>
+  </p:transition>
 </p:sld>
 </file>
 
@@ -5582,6 +5511,9 @@
   <p:clrMapOvr>
     <a:masterClrMapping/>
   </p:clrMapOvr>
+  <p:transition spd="slow">
+    <p:push dir="u"/>
+  </p:transition>
 </p:sld>
 </file>
 
@@ -5862,6 +5794,9 @@
   <p:clrMapOvr>
     <a:masterClrMapping/>
   </p:clrMapOvr>
+  <p:transition spd="slow">
+    <p:push dir="d"/>
+  </p:transition>
 </p:sld>
 </file>
 
@@ -6133,6 +6068,9 @@
   <p:clrMapOvr>
     <a:masterClrMapping/>
   </p:clrMapOvr>
+  <p:transition spd="slow">
+    <p:push dir="u"/>
+  </p:transition>
 </p:sld>
 </file>
 
@@ -6834,6 +6772,9 @@
   <p:clrMapOvr>
     <a:masterClrMapping/>
   </p:clrMapOvr>
+  <p:transition spd="slow">
+    <p:push dir="d"/>
+  </p:transition>
 </p:sld>
 </file>
 
@@ -7104,6 +7045,9 @@
   <p:clrMapOvr>
     <a:masterClrMapping/>
   </p:clrMapOvr>
+  <p:transition spd="slow">
+    <p:push dir="u"/>
+  </p:transition>
 </p:sld>
 </file>
 
@@ -7296,6 +7240,9 @@
   <p:clrMapOvr>
     <a:masterClrMapping/>
   </p:clrMapOvr>
+  <p:transition spd="slow">
+    <p:push dir="d"/>
+  </p:transition>
 </p:sld>
 </file>
 
@@ -7503,6 +7450,9 @@
   <p:clrMapOvr>
     <a:masterClrMapping/>
   </p:clrMapOvr>
+  <p:transition spd="slow">
+    <p:push dir="u"/>
+  </p:transition>
 </p:sld>
 </file>
 
@@ -8738,6 +8688,9 @@
   <p:clrMapOvr>
     <a:masterClrMapping/>
   </p:clrMapOvr>
+  <p:transition spd="slow">
+    <p:push dir="d"/>
+  </p:transition>
 </p:sld>
 </file>
 
@@ -9998,6 +9951,9 @@
   <p:clrMapOvr>
     <a:masterClrMapping/>
   </p:clrMapOvr>
+  <p:transition spd="slow">
+    <p:push dir="u"/>
+  </p:transition>
 </p:sld>
 </file>
 
@@ -10096,6 +10052,9 @@
   <p:clrMapOvr>
     <a:masterClrMapping/>
   </p:clrMapOvr>
+  <p:transition spd="slow">
+    <p:push dir="d"/>
+  </p:transition>
 </p:sld>
 </file>
 
